--- a/FA24/WK7/CodingSessionSeven.pptx
+++ b/FA24/WK7/CodingSessionSeven.pptx
@@ -5,7 +5,7 @@
     <p:sldMasterId id="2147483659" r:id="rId4"/>
   </p:sldMasterIdLst>
   <p:notesMasterIdLst>
-    <p:notesMasterId r:id="rId12"/>
+    <p:notesMasterId r:id="rId13"/>
   </p:notesMasterIdLst>
   <p:sldIdLst>
     <p:sldId id="256" r:id="rId5"/>
@@ -14,17 +14,18 @@
     <p:sldId id="334" r:id="rId8"/>
     <p:sldId id="333" r:id="rId9"/>
     <p:sldId id="331" r:id="rId10"/>
-    <p:sldId id="304" r:id="rId11"/>
+    <p:sldId id="335" r:id="rId11"/>
+    <p:sldId id="304" r:id="rId12"/>
   </p:sldIdLst>
   <p:sldSz cx="12192000" cy="6858000"/>
   <p:notesSz cx="6858000" cy="9144000"/>
   <p:embeddedFontLst>
     <p:embeddedFont>
       <p:font typeface="Consolas" panose="020B0609020204030204" pitchFamily="49" charset="0"/>
-      <p:regular r:id="rId13"/>
-      <p:bold r:id="rId14"/>
-      <p:italic r:id="rId15"/>
-      <p:boldItalic r:id="rId16"/>
+      <p:regular r:id="rId14"/>
+      <p:bold r:id="rId15"/>
+      <p:italic r:id="rId16"/>
+      <p:boldItalic r:id="rId17"/>
     </p:embeddedFont>
   </p:embeddedFontLst>
   <p:defaultTextStyle>
@@ -2597,6 +2598,151 @@
 </file>
 
 <file path=ppt/notesSlides/notesSlide7.xml><?xml version="1.0" encoding="utf-8"?>
+<p:notes xmlns:a="http://schemas.openxmlformats.org/drawingml/2006/main" xmlns:r="http://schemas.openxmlformats.org/officeDocument/2006/relationships" xmlns:p="http://schemas.openxmlformats.org/presentationml/2006/main" showMasterSp="0" showMasterPhAnim="0">
+  <p:cSld>
+    <p:spTree>
+      <p:nvGrpSpPr>
+        <p:cNvPr id="1" name="Shape 97">
+          <a:extLst>
+            <a:ext uri="{FF2B5EF4-FFF2-40B4-BE49-F238E27FC236}">
+              <a16:creationId xmlns:a16="http://schemas.microsoft.com/office/drawing/2014/main" id="{B3C6B8D5-4E7F-7A19-80C5-D7F9C78A209E}"/>
+            </a:ext>
+          </a:extLst>
+        </p:cNvPr>
+        <p:cNvGrpSpPr/>
+        <p:nvPr/>
+      </p:nvGrpSpPr>
+      <p:grpSpPr>
+        <a:xfrm>
+          <a:off x="0" y="0"/>
+          <a:ext cx="0" cy="0"/>
+          <a:chOff x="0" y="0"/>
+          <a:chExt cx="0" cy="0"/>
+        </a:xfrm>
+      </p:grpSpPr>
+      <p:sp>
+        <p:nvSpPr>
+          <p:cNvPr id="98" name="Google Shape;98;p2:notes">
+            <a:extLst>
+              <a:ext uri="{FF2B5EF4-FFF2-40B4-BE49-F238E27FC236}">
+                <a16:creationId xmlns:a16="http://schemas.microsoft.com/office/drawing/2014/main" id="{25E9DA50-4D1B-64F5-508A-F507758996E8}"/>
+              </a:ext>
+            </a:extLst>
+          </p:cNvPr>
+          <p:cNvSpPr txBox="1">
+            <a:spLocks noGrp="1"/>
+          </p:cNvSpPr>
+          <p:nvPr>
+            <p:ph type="body" idx="1"/>
+          </p:nvPr>
+        </p:nvSpPr>
+        <p:spPr>
+          <a:xfrm>
+            <a:off x="685800" y="4400550"/>
+            <a:ext cx="5486400" cy="3600450"/>
+          </a:xfrm>
+          <a:prstGeom prst="rect">
+            <a:avLst/>
+          </a:prstGeom>
+          <a:noFill/>
+          <a:ln>
+            <a:noFill/>
+          </a:ln>
+        </p:spPr>
+        <p:txBody>
+          <a:bodyPr spcFirstLastPara="1" wrap="square" lIns="91425" tIns="45700" rIns="91425" bIns="45700" anchor="t" anchorCtr="0">
+            <a:noAutofit/>
+          </a:bodyPr>
+          <a:lstStyle/>
+          <a:p>
+            <a:pPr marL="0" lvl="0" indent="0" algn="l" rtl="0">
+              <a:lnSpc>
+                <a:spcPct val="100000"/>
+              </a:lnSpc>
+              <a:spcBef>
+                <a:spcPts val="0"/>
+              </a:spcBef>
+              <a:spcAft>
+                <a:spcPts val="0"/>
+              </a:spcAft>
+              <a:buSzPts val="1400"/>
+              <a:buNone/>
+            </a:pPr>
+            <a:endParaRPr dirty="0"/>
+          </a:p>
+        </p:txBody>
+      </p:sp>
+      <p:sp>
+        <p:nvSpPr>
+          <p:cNvPr id="99" name="Google Shape;99;p2:notes">
+            <a:extLst>
+              <a:ext uri="{FF2B5EF4-FFF2-40B4-BE49-F238E27FC236}">
+                <a16:creationId xmlns:a16="http://schemas.microsoft.com/office/drawing/2014/main" id="{F0A57724-84CE-6C1E-E886-EFF0CE6E01F5}"/>
+              </a:ext>
+            </a:extLst>
+          </p:cNvPr>
+          <p:cNvSpPr>
+            <a:spLocks noGrp="1" noRot="1" noChangeAspect="1"/>
+          </p:cNvSpPr>
+          <p:nvPr>
+            <p:ph type="sldImg" idx="2"/>
+          </p:nvPr>
+        </p:nvSpPr>
+        <p:spPr>
+          <a:xfrm>
+            <a:off x="685800" y="1143000"/>
+            <a:ext cx="5486400" cy="3086100"/>
+          </a:xfrm>
+          <a:custGeom>
+            <a:avLst/>
+            <a:gdLst/>
+            <a:ahLst/>
+            <a:cxnLst/>
+            <a:rect l="l" t="t" r="r" b="b"/>
+            <a:pathLst>
+              <a:path w="120000" h="120000" extrusionOk="0">
+                <a:moveTo>
+                  <a:pt x="0" y="0"/>
+                </a:moveTo>
+                <a:lnTo>
+                  <a:pt x="120000" y="0"/>
+                </a:lnTo>
+                <a:lnTo>
+                  <a:pt x="120000" y="120000"/>
+                </a:lnTo>
+                <a:lnTo>
+                  <a:pt x="0" y="120000"/>
+                </a:lnTo>
+                <a:close/>
+              </a:path>
+            </a:pathLst>
+          </a:custGeom>
+          <a:noFill/>
+          <a:ln w="12700" cap="flat" cmpd="sng">
+            <a:solidFill>
+              <a:srgbClr val="000000"/>
+            </a:solidFill>
+            <a:prstDash val="solid"/>
+            <a:round/>
+            <a:headEnd type="none" w="sm" len="sm"/>
+            <a:tailEnd type="none" w="sm" len="sm"/>
+          </a:ln>
+        </p:spPr>
+      </p:sp>
+    </p:spTree>
+    <p:extLst>
+      <p:ext uri="{BB962C8B-B14F-4D97-AF65-F5344CB8AC3E}">
+        <p14:creationId xmlns:p14="http://schemas.microsoft.com/office/powerpoint/2010/main" val="1089648632"/>
+      </p:ext>
+    </p:extLst>
+  </p:cSld>
+  <p:clrMapOvr>
+    <a:masterClrMapping/>
+  </p:clrMapOvr>
+</p:notes>
+</file>
+
+<file path=ppt/notesSlides/notesSlide8.xml><?xml version="1.0" encoding="utf-8"?>
 <p:notes xmlns:a="http://schemas.openxmlformats.org/drawingml/2006/main" xmlns:r="http://schemas.openxmlformats.org/officeDocument/2006/relationships" xmlns:p="http://schemas.openxmlformats.org/presentationml/2006/main" showMasterSp="0" showMasterPhAnim="0">
   <p:cSld>
     <p:spTree>
@@ -17160,7 +17306,7 @@
         <p:spPr>
           <a:xfrm>
             <a:off x="102637" y="986732"/>
-            <a:ext cx="5074309" cy="4524315"/>
+            <a:ext cx="5074309" cy="2800767"/>
           </a:xfrm>
           <a:prstGeom prst="rect">
             <a:avLst/>
@@ -17178,8 +17324,47 @@
               <a:buChar char="•"/>
             </a:pPr>
             <a:r>
-              <a:rPr lang="en-US" sz="2400" dirty="0"/>
-              <a:t>Data could not be more important</a:t>
+              <a:rPr lang="en-US" sz="2200" dirty="0"/>
+              <a:t>Web dev: Building your own website is rewarding on its own, but if you ever want to found a startup you are more likely than not to end up writing code that takes some kind of requests from the web, even if it’s just an API not truly what we think of as websites</a:t>
+            </a:r>
+          </a:p>
+        </p:txBody>
+      </p:sp>
+      <p:sp>
+        <p:nvSpPr>
+          <p:cNvPr id="3" name="TextBox 2">
+            <a:extLst>
+              <a:ext uri="{FF2B5EF4-FFF2-40B4-BE49-F238E27FC236}">
+                <a16:creationId xmlns:a16="http://schemas.microsoft.com/office/drawing/2014/main" id="{5A3DF8F2-6A37-285A-E796-51DDEE4E8804}"/>
+              </a:ext>
+            </a:extLst>
+          </p:cNvPr>
+          <p:cNvSpPr txBox="1"/>
+          <p:nvPr/>
+        </p:nvSpPr>
+        <p:spPr>
+          <a:xfrm>
+            <a:off x="6868309" y="986732"/>
+            <a:ext cx="5074309" cy="2462213"/>
+          </a:xfrm>
+          <a:prstGeom prst="rect">
+            <a:avLst/>
+          </a:prstGeom>
+          <a:noFill/>
+        </p:spPr>
+        <p:txBody>
+          <a:bodyPr wrap="square" rtlCol="0">
+            <a:spAutoFit/>
+          </a:bodyPr>
+          <a:lstStyle/>
+          <a:p>
+            <a:pPr marL="285750" indent="-285750">
+              <a:buFont typeface="Arial" panose="020B0604020202020204" pitchFamily="34" charset="0"/>
+              <a:buChar char="•"/>
+            </a:pPr>
+            <a:r>
+              <a:rPr lang="en-US" sz="2200" dirty="0"/>
+              <a:t>Machine learning: Should be self-evident enough with the rise of AI, but being better able to harness the power of data leads to better outcomes</a:t>
             </a:r>
           </a:p>
           <a:p>
@@ -17187,43 +17372,19 @@
               <a:buFont typeface="Arial" panose="020B0604020202020204" pitchFamily="34" charset="0"/>
               <a:buChar char="•"/>
             </a:pPr>
-            <a:endParaRPr lang="en-US" sz="2400" dirty="0"/>
+            <a:endParaRPr lang="en-US" sz="2200" dirty="0"/>
           </a:p>
           <a:p>
-            <a:pPr marL="285750" indent="-285750">
-              <a:buFont typeface="Arial" panose="020B0604020202020204" pitchFamily="34" charset="0"/>
-              <a:buChar char="•"/>
-            </a:pPr>
-            <a:r>
-              <a:rPr lang="en-US" sz="2400" dirty="0"/>
-              <a:t>The internet has a significant amount of data, some that isn’t neatly formatted for you (or the nearly formatted version is behind a paywall)</a:t>
-            </a:r>
-          </a:p>
-          <a:p>
-            <a:pPr marL="285750" indent="-285750">
-              <a:buFont typeface="Arial" panose="020B0604020202020204" pitchFamily="34" charset="0"/>
-              <a:buChar char="•"/>
-            </a:pPr>
-            <a:endParaRPr lang="en-US" sz="2400" dirty="0"/>
-          </a:p>
-          <a:p>
-            <a:pPr marL="285750" indent="-285750">
-              <a:buFont typeface="Arial" panose="020B0604020202020204" pitchFamily="34" charset="0"/>
-              <a:buChar char="•"/>
-            </a:pPr>
-            <a:r>
-              <a:rPr lang="en-US" sz="2400" dirty="0"/>
-              <a:t>The web is also really important, and knowing how to interact with it in Python will enable you to write more interesting programs</a:t>
-            </a:r>
+            <a:endParaRPr lang="en-US" sz="2200" dirty="0"/>
           </a:p>
         </p:txBody>
       </p:sp>
       <p:pic>
         <p:nvPicPr>
-          <p:cNvPr id="6" name="Graphic 5">
+          <p:cNvPr id="8" name="Picture 7" descr="A red triangle with white text&#10;&#10;Description automatically generated">
             <a:extLst>
               <a:ext uri="{FF2B5EF4-FFF2-40B4-BE49-F238E27FC236}">
-                <a16:creationId xmlns:a16="http://schemas.microsoft.com/office/drawing/2014/main" id="{FCFCD025-72E5-B596-1849-EDD44DAF398F}"/>
+                <a16:creationId xmlns:a16="http://schemas.microsoft.com/office/drawing/2014/main" id="{92FC81CF-17BD-9AA0-8DF2-457AA69F2DAE}"/>
               </a:ext>
             </a:extLst>
           </p:cNvPr>
@@ -17233,21 +17394,15 @@
           <p:nvPr/>
         </p:nvPicPr>
         <p:blipFill>
-          <a:blip r:embed="rId4">
-            <a:extLst>
-              <a:ext uri="{96DAC541-7B7A-43D3-8B79-37D633B846F1}">
-                <asvg:svgBlip xmlns:asvg="http://schemas.microsoft.com/office/drawing/2016/SVG/main" r:embed="rId5"/>
-              </a:ext>
-            </a:extLst>
-          </a:blip>
+          <a:blip r:embed="rId4"/>
           <a:stretch>
             <a:fillRect/>
           </a:stretch>
         </p:blipFill>
         <p:spPr>
           <a:xfrm>
-            <a:off x="7497082" y="1065755"/>
-            <a:ext cx="3168585" cy="2648370"/>
+            <a:off x="8414994" y="3579845"/>
+            <a:ext cx="2438400" cy="2438400"/>
           </a:xfrm>
           <a:prstGeom prst="rect">
             <a:avLst/>
@@ -17256,13 +17411,10 @@
       </p:pic>
       <p:pic>
         <p:nvPicPr>
-          <p:cNvPr id="10" name="Picture 9">
+          <p:cNvPr id="11" name="Picture 10" descr="A cartoon of a person with an elephant&#10;&#10;Description automatically generated">
             <a:extLst>
               <a:ext uri="{FF2B5EF4-FFF2-40B4-BE49-F238E27FC236}">
-                <a16:creationId xmlns:a16="http://schemas.microsoft.com/office/drawing/2014/main" id="{D8F40724-B886-8EAC-EF32-B998BFB0FD74}"/>
-              </a:ext>
-              <a:ext uri="{C183D7F6-B498-43B3-948B-1728B52AA6E4}">
-                <adec:decorative xmlns:adec="http://schemas.microsoft.com/office/drawing/2017/decorative" val="0"/>
+                <a16:creationId xmlns:a16="http://schemas.microsoft.com/office/drawing/2014/main" id="{37C2458B-4FC3-6231-F81B-EDB54CA2F1AD}"/>
               </a:ext>
             </a:extLst>
           </p:cNvPr>
@@ -17272,15 +17424,15 @@
           <p:nvPr/>
         </p:nvPicPr>
         <p:blipFill>
-          <a:blip r:embed="rId6"/>
+          <a:blip r:embed="rId5"/>
           <a:stretch>
             <a:fillRect/>
           </a:stretch>
         </p:blipFill>
         <p:spPr>
           <a:xfrm>
-            <a:off x="6185774" y="3714125"/>
-            <a:ext cx="5715000" cy="2438400"/>
+            <a:off x="435339" y="3787499"/>
+            <a:ext cx="5685544" cy="2312151"/>
           </a:xfrm>
           <a:prstGeom prst="rect">
             <a:avLst/>
@@ -17854,7 +18006,7 @@
         <p:spPr>
           <a:xfrm>
             <a:off x="102028" y="1036249"/>
-            <a:ext cx="5074309" cy="3570208"/>
+            <a:ext cx="5074309" cy="3908762"/>
           </a:xfrm>
           <a:prstGeom prst="rect">
             <a:avLst/>
@@ -17872,7 +18024,7 @@
               <a:buChar char="•"/>
             </a:pPr>
             <a:r>
-              <a:rPr lang="en-US" sz="1800" dirty="0"/>
+              <a:rPr lang="en-US" sz="2000" dirty="0"/>
               <a:t>Flask is a python library to build webpages</a:t>
             </a:r>
           </a:p>
@@ -17881,8 +18033,15 @@
               <a:buFont typeface="Arial" panose="020B0604020202020204" pitchFamily="34" charset="0"/>
               <a:buChar char="•"/>
             </a:pPr>
+            <a:endParaRPr lang="en-US" sz="2000" dirty="0"/>
+          </a:p>
+          <a:p>
+            <a:pPr marL="285750" indent="-285750">
+              <a:buFont typeface="Arial" panose="020B0604020202020204" pitchFamily="34" charset="0"/>
+              <a:buChar char="•"/>
+            </a:pPr>
             <a:r>
-              <a:rPr lang="en-US" sz="1800" dirty="0"/>
+              <a:rPr lang="en-US" sz="2000" dirty="0"/>
               <a:t>Supports routing, templating, cookies, GET/POST/PUT requests, redirects, &amp; more</a:t>
             </a:r>
           </a:p>
@@ -17891,7 +18050,7 @@
               <a:buFont typeface="Arial" panose="020B0604020202020204" pitchFamily="34" charset="0"/>
               <a:buChar char="•"/>
             </a:pPr>
-            <a:endParaRPr lang="en-US" sz="1800" dirty="0"/>
+            <a:endParaRPr lang="en-US" sz="2000" dirty="0"/>
           </a:p>
           <a:p>
             <a:pPr marL="285750" indent="-285750">
@@ -17899,7 +18058,7 @@
               <a:buChar char="•"/>
             </a:pPr>
             <a:r>
-              <a:rPr lang="en-US" sz="1800" dirty="0"/>
+              <a:rPr lang="en-US" sz="2000" dirty="0"/>
               <a:t>Easy to get started, but offers a ton of flexibility to the programmer</a:t>
             </a:r>
           </a:p>
@@ -17908,7 +18067,7 @@
               <a:buFont typeface="Arial" panose="020B0604020202020204" pitchFamily="34" charset="0"/>
               <a:buChar char="•"/>
             </a:pPr>
-            <a:endParaRPr lang="en-US" sz="1800" dirty="0"/>
+            <a:endParaRPr lang="en-US" sz="2000" dirty="0"/>
           </a:p>
           <a:p>
             <a:pPr marL="285750" indent="-285750">
@@ -17916,29 +18075,12 @@
               <a:buChar char="•"/>
             </a:pPr>
             <a:r>
-              <a:rPr lang="en-US" sz="1800" dirty="0"/>
+              <a:rPr lang="en-US" sz="2000" dirty="0"/>
               <a:t>Often used with nginx</a:t>
             </a:r>
           </a:p>
           <a:p>
-            <a:pPr marL="285750" indent="-285750">
-              <a:buFont typeface="Arial" panose="020B0604020202020204" pitchFamily="34" charset="0"/>
-              <a:buChar char="•"/>
-            </a:pPr>
-            <a:endParaRPr lang="en-US" sz="1800" dirty="0"/>
-          </a:p>
-          <a:p>
-            <a:endParaRPr lang="en-US" sz="2000" dirty="0"/>
-          </a:p>
-          <a:p>
-            <a:endParaRPr lang="en-US" sz="2000" dirty="0"/>
-          </a:p>
-          <a:p>
-            <a:pPr marL="285750" indent="-285750">
-              <a:buFont typeface="Arial" panose="020B0604020202020204" pitchFamily="34" charset="0"/>
-              <a:buChar char="•"/>
-            </a:pPr>
-            <a:endParaRPr lang="en-US" sz="2400" dirty="0"/>
+            <a:endParaRPr lang="en-US" sz="2800" dirty="0"/>
           </a:p>
         </p:txBody>
       </p:sp>
@@ -19776,6 +19918,621 @@
   <p:cSld>
     <p:spTree>
       <p:nvGrpSpPr>
+        <p:cNvPr id="1" name="Shape 100">
+          <a:extLst>
+            <a:ext uri="{FF2B5EF4-FFF2-40B4-BE49-F238E27FC236}">
+              <a16:creationId xmlns:a16="http://schemas.microsoft.com/office/drawing/2014/main" id="{2EF3266D-8651-CF22-CEB4-C51C1E479D43}"/>
+            </a:ext>
+          </a:extLst>
+        </p:cNvPr>
+        <p:cNvGrpSpPr/>
+        <p:nvPr/>
+      </p:nvGrpSpPr>
+      <p:grpSpPr>
+        <a:xfrm>
+          <a:off x="0" y="0"/>
+          <a:ext cx="0" cy="0"/>
+          <a:chOff x="0" y="0"/>
+          <a:chExt cx="0" cy="0"/>
+        </a:xfrm>
+      </p:grpSpPr>
+      <p:grpSp>
+        <p:nvGrpSpPr>
+          <p:cNvPr id="101" name="Google Shape;101;p14">
+            <a:extLst>
+              <a:ext uri="{FF2B5EF4-FFF2-40B4-BE49-F238E27FC236}">
+                <a16:creationId xmlns:a16="http://schemas.microsoft.com/office/drawing/2014/main" id="{078DFFBC-1135-AD87-830C-4CD3F16A8113}"/>
+              </a:ext>
+            </a:extLst>
+          </p:cNvPr>
+          <p:cNvGrpSpPr/>
+          <p:nvPr/>
+        </p:nvGrpSpPr>
+        <p:grpSpPr>
+          <a:xfrm>
+            <a:off x="-46652" y="0"/>
+            <a:ext cx="12288417" cy="839755"/>
+            <a:chOff x="-46652" y="0"/>
+            <a:chExt cx="12288417" cy="839755"/>
+          </a:xfrm>
+        </p:grpSpPr>
+        <p:sp>
+          <p:nvSpPr>
+            <p:cNvPr id="102" name="Google Shape;102;p14">
+              <a:extLst>
+                <a:ext uri="{FF2B5EF4-FFF2-40B4-BE49-F238E27FC236}">
+                  <a16:creationId xmlns:a16="http://schemas.microsoft.com/office/drawing/2014/main" id="{A873A19A-2524-AA1E-8795-E33916FB5084}"/>
+                </a:ext>
+              </a:extLst>
+            </p:cNvPr>
+            <p:cNvSpPr/>
+            <p:nvPr/>
+          </p:nvSpPr>
+          <p:spPr>
+            <a:xfrm>
+              <a:off x="0" y="0"/>
+              <a:ext cx="12192000" cy="830425"/>
+            </a:xfrm>
+            <a:prstGeom prst="rect">
+              <a:avLst/>
+            </a:prstGeom>
+            <a:solidFill>
+              <a:srgbClr val="19243B"/>
+            </a:solidFill>
+            <a:ln w="12700" cap="flat" cmpd="sng">
+              <a:solidFill>
+                <a:srgbClr val="19243B"/>
+              </a:solidFill>
+              <a:prstDash val="solid"/>
+              <a:miter lim="800000"/>
+              <a:headEnd type="none" w="sm" len="sm"/>
+              <a:tailEnd type="none" w="sm" len="sm"/>
+            </a:ln>
+          </p:spPr>
+          <p:txBody>
+            <a:bodyPr spcFirstLastPara="1" wrap="square" lIns="91425" tIns="45700" rIns="91425" bIns="45700" anchor="ctr" anchorCtr="0">
+              <a:noAutofit/>
+            </a:bodyPr>
+            <a:lstStyle/>
+            <a:p>
+              <a:pPr marL="0" marR="0" lvl="0" indent="0" algn="ctr" rtl="0">
+                <a:lnSpc>
+                  <a:spcPct val="100000"/>
+                </a:lnSpc>
+                <a:spcBef>
+                  <a:spcPts val="0"/>
+                </a:spcBef>
+                <a:spcAft>
+                  <a:spcPts val="0"/>
+                </a:spcAft>
+                <a:buClr>
+                  <a:srgbClr val="000000"/>
+                </a:buClr>
+                <a:buSzPts val="1800"/>
+                <a:buFont typeface="Arial"/>
+                <a:buNone/>
+              </a:pPr>
+              <a:endParaRPr sz="1800" b="0" i="0" u="none" strike="noStrike" cap="none">
+                <a:solidFill>
+                  <a:schemeClr val="lt1"/>
+                </a:solidFill>
+                <a:latin typeface="Calibri"/>
+                <a:ea typeface="Calibri"/>
+                <a:cs typeface="Calibri"/>
+                <a:sym typeface="Calibri"/>
+              </a:endParaRPr>
+            </a:p>
+          </p:txBody>
+        </p:sp>
+        <p:cxnSp>
+          <p:nvCxnSpPr>
+            <p:cNvPr id="103" name="Google Shape;103;p14">
+              <a:extLst>
+                <a:ext uri="{FF2B5EF4-FFF2-40B4-BE49-F238E27FC236}">
+                  <a16:creationId xmlns:a16="http://schemas.microsoft.com/office/drawing/2014/main" id="{D4BE20A8-88B5-96C1-2952-AADE80F153C0}"/>
+                </a:ext>
+              </a:extLst>
+            </p:cNvPr>
+            <p:cNvCxnSpPr/>
+            <p:nvPr/>
+          </p:nvCxnSpPr>
+          <p:spPr>
+            <a:xfrm>
+              <a:off x="-46652" y="839755"/>
+              <a:ext cx="12288417" cy="0"/>
+            </a:xfrm>
+            <a:prstGeom prst="straightConnector1">
+              <a:avLst/>
+            </a:prstGeom>
+            <a:noFill/>
+            <a:ln w="28575" cap="flat" cmpd="sng">
+              <a:solidFill>
+                <a:srgbClr val="5EE1E6"/>
+              </a:solidFill>
+              <a:prstDash val="solid"/>
+              <a:miter lim="800000"/>
+              <a:headEnd type="none" w="sm" len="sm"/>
+              <a:tailEnd type="none" w="sm" len="sm"/>
+            </a:ln>
+          </p:spPr>
+        </p:cxnSp>
+      </p:grpSp>
+      <p:sp>
+        <p:nvSpPr>
+          <p:cNvPr id="104" name="Google Shape;104;p14">
+            <a:extLst>
+              <a:ext uri="{FF2B5EF4-FFF2-40B4-BE49-F238E27FC236}">
+                <a16:creationId xmlns:a16="http://schemas.microsoft.com/office/drawing/2014/main" id="{BB9A5AAD-AE45-46D8-E69F-3F9FDAFD5B6C}"/>
+              </a:ext>
+            </a:extLst>
+          </p:cNvPr>
+          <p:cNvSpPr txBox="1">
+            <a:spLocks noGrp="1"/>
+          </p:cNvSpPr>
+          <p:nvPr>
+            <p:ph type="title"/>
+          </p:nvPr>
+        </p:nvSpPr>
+        <p:spPr>
+          <a:xfrm>
+            <a:off x="102637" y="103870"/>
+            <a:ext cx="11420670" cy="642580"/>
+          </a:xfrm>
+          <a:prstGeom prst="rect">
+            <a:avLst/>
+          </a:prstGeom>
+          <a:noFill/>
+          <a:ln>
+            <a:noFill/>
+          </a:ln>
+        </p:spPr>
+        <p:txBody>
+          <a:bodyPr spcFirstLastPara="1" wrap="square" lIns="91425" tIns="45700" rIns="91425" bIns="45700" anchor="ctr" anchorCtr="0">
+            <a:normAutofit fontScale="90000"/>
+          </a:bodyPr>
+          <a:lstStyle/>
+          <a:p>
+            <a:r>
+              <a:rPr lang="en-US" dirty="0">
+                <a:solidFill>
+                  <a:schemeClr val="lt1"/>
+                </a:solidFill>
+              </a:rPr>
+              <a:t>scikit-learn</a:t>
+            </a:r>
+            <a:endParaRPr lang="en-US" dirty="0"/>
+          </a:p>
+        </p:txBody>
+      </p:sp>
+      <p:grpSp>
+        <p:nvGrpSpPr>
+          <p:cNvPr id="105" name="Google Shape;105;p14">
+            <a:extLst>
+              <a:ext uri="{FF2B5EF4-FFF2-40B4-BE49-F238E27FC236}">
+                <a16:creationId xmlns:a16="http://schemas.microsoft.com/office/drawing/2014/main" id="{B12C6132-A058-CFB5-0BAB-9BF23552CBAC}"/>
+              </a:ext>
+            </a:extLst>
+          </p:cNvPr>
+          <p:cNvGrpSpPr/>
+          <p:nvPr/>
+        </p:nvGrpSpPr>
+        <p:grpSpPr>
+          <a:xfrm>
+            <a:off x="0" y="6245831"/>
+            <a:ext cx="12241765" cy="618932"/>
+            <a:chOff x="-1" y="6239068"/>
+            <a:chExt cx="12219993" cy="618932"/>
+          </a:xfrm>
+        </p:grpSpPr>
+        <p:sp>
+          <p:nvSpPr>
+            <p:cNvPr id="106" name="Google Shape;106;p14">
+              <a:extLst>
+                <a:ext uri="{FF2B5EF4-FFF2-40B4-BE49-F238E27FC236}">
+                  <a16:creationId xmlns:a16="http://schemas.microsoft.com/office/drawing/2014/main" id="{976F3F8D-7E7D-1157-F034-E4D21484EF0B}"/>
+                </a:ext>
+              </a:extLst>
+            </p:cNvPr>
+            <p:cNvSpPr/>
+            <p:nvPr/>
+          </p:nvSpPr>
+          <p:spPr>
+            <a:xfrm>
+              <a:off x="-1" y="6263952"/>
+              <a:ext cx="12192000" cy="594048"/>
+            </a:xfrm>
+            <a:prstGeom prst="rect">
+              <a:avLst/>
+            </a:prstGeom>
+            <a:solidFill>
+              <a:srgbClr val="19243B"/>
+            </a:solidFill>
+            <a:ln w="12700" cap="flat" cmpd="sng">
+              <a:solidFill>
+                <a:srgbClr val="19243B"/>
+              </a:solidFill>
+              <a:prstDash val="solid"/>
+              <a:miter lim="800000"/>
+              <a:headEnd type="none" w="sm" len="sm"/>
+              <a:tailEnd type="none" w="sm" len="sm"/>
+            </a:ln>
+          </p:spPr>
+          <p:txBody>
+            <a:bodyPr spcFirstLastPara="1" wrap="square" lIns="91425" tIns="45700" rIns="91425" bIns="45700" anchor="ctr" anchorCtr="0">
+              <a:noAutofit/>
+            </a:bodyPr>
+            <a:lstStyle/>
+            <a:p>
+              <a:pPr marL="0" marR="0" lvl="0" indent="0" algn="ctr" rtl="0">
+                <a:lnSpc>
+                  <a:spcPct val="100000"/>
+                </a:lnSpc>
+                <a:spcBef>
+                  <a:spcPts val="0"/>
+                </a:spcBef>
+                <a:spcAft>
+                  <a:spcPts val="0"/>
+                </a:spcAft>
+                <a:buClr>
+                  <a:srgbClr val="000000"/>
+                </a:buClr>
+                <a:buSzPts val="1800"/>
+                <a:buFont typeface="Arial"/>
+                <a:buNone/>
+              </a:pPr>
+              <a:endParaRPr sz="1800" b="0" i="0" u="none" strike="noStrike" cap="none">
+                <a:solidFill>
+                  <a:schemeClr val="lt1"/>
+                </a:solidFill>
+                <a:latin typeface="Calibri"/>
+                <a:ea typeface="Calibri"/>
+                <a:cs typeface="Calibri"/>
+                <a:sym typeface="Calibri"/>
+              </a:endParaRPr>
+            </a:p>
+          </p:txBody>
+        </p:sp>
+        <p:cxnSp>
+          <p:nvCxnSpPr>
+            <p:cNvPr id="107" name="Google Shape;107;p14">
+              <a:extLst>
+                <a:ext uri="{FF2B5EF4-FFF2-40B4-BE49-F238E27FC236}">
+                  <a16:creationId xmlns:a16="http://schemas.microsoft.com/office/drawing/2014/main" id="{5B5B3D19-7CA2-036B-346F-5A02060E5951}"/>
+                </a:ext>
+              </a:extLst>
+            </p:cNvPr>
+            <p:cNvCxnSpPr/>
+            <p:nvPr/>
+          </p:nvCxnSpPr>
+          <p:spPr>
+            <a:xfrm>
+              <a:off x="0" y="6239068"/>
+              <a:ext cx="12219992" cy="0"/>
+            </a:xfrm>
+            <a:prstGeom prst="straightConnector1">
+              <a:avLst/>
+            </a:prstGeom>
+            <a:noFill/>
+            <a:ln w="28575" cap="flat" cmpd="sng">
+              <a:solidFill>
+                <a:srgbClr val="5EE1E6"/>
+              </a:solidFill>
+              <a:prstDash val="solid"/>
+              <a:miter lim="800000"/>
+              <a:headEnd type="none" w="sm" len="sm"/>
+              <a:tailEnd type="none" w="sm" len="sm"/>
+            </a:ln>
+          </p:spPr>
+        </p:cxnSp>
+      </p:grpSp>
+      <p:sp>
+        <p:nvSpPr>
+          <p:cNvPr id="110" name="Google Shape;110;p14">
+            <a:extLst>
+              <a:ext uri="{FF2B5EF4-FFF2-40B4-BE49-F238E27FC236}">
+                <a16:creationId xmlns:a16="http://schemas.microsoft.com/office/drawing/2014/main" id="{E6434F01-7D95-933A-2D3E-2E603FEEEFCF}"/>
+              </a:ext>
+            </a:extLst>
+          </p:cNvPr>
+          <p:cNvSpPr txBox="1">
+            <a:spLocks noGrp="1"/>
+          </p:cNvSpPr>
+          <p:nvPr>
+            <p:ph type="sldNum" idx="12"/>
+          </p:nvPr>
+        </p:nvSpPr>
+        <p:spPr>
+          <a:xfrm>
+            <a:off x="9255967" y="6361015"/>
+            <a:ext cx="2743200" cy="365125"/>
+          </a:xfrm>
+          <a:prstGeom prst="rect">
+            <a:avLst/>
+          </a:prstGeom>
+          <a:noFill/>
+          <a:ln>
+            <a:noFill/>
+          </a:ln>
+        </p:spPr>
+        <p:txBody>
+          <a:bodyPr spcFirstLastPara="1" wrap="square" lIns="91425" tIns="45700" rIns="91425" bIns="45700" anchor="ctr" anchorCtr="0">
+            <a:noAutofit/>
+          </a:bodyPr>
+          <a:lstStyle/>
+          <a:p>
+            <a:pPr marL="0" lvl="0" indent="0" algn="r" rtl="0">
+              <a:lnSpc>
+                <a:spcPct val="100000"/>
+              </a:lnSpc>
+              <a:spcBef>
+                <a:spcPts val="0"/>
+              </a:spcBef>
+              <a:spcAft>
+                <a:spcPts val="0"/>
+              </a:spcAft>
+              <a:buSzPts val="1200"/>
+              <a:buNone/>
+            </a:pPr>
+            <a:fld id="{00000000-1234-1234-1234-123412341234}" type="slidenum">
+              <a:rPr lang="en-US">
+                <a:solidFill>
+                  <a:schemeClr val="lt1"/>
+                </a:solidFill>
+              </a:rPr>
+              <a:t>7</a:t>
+            </a:fld>
+            <a:endParaRPr>
+              <a:solidFill>
+                <a:schemeClr val="lt1"/>
+              </a:solidFill>
+            </a:endParaRPr>
+          </a:p>
+        </p:txBody>
+      </p:sp>
+      <p:pic>
+        <p:nvPicPr>
+          <p:cNvPr id="2" name="Picture 1">
+            <a:extLst>
+              <a:ext uri="{FF2B5EF4-FFF2-40B4-BE49-F238E27FC236}">
+                <a16:creationId xmlns:a16="http://schemas.microsoft.com/office/drawing/2014/main" id="{2E001645-4F21-789B-CA49-529CCEF62BBC}"/>
+              </a:ext>
+            </a:extLst>
+          </p:cNvPr>
+          <p:cNvPicPr>
+            <a:picLocks noChangeAspect="1"/>
+          </p:cNvPicPr>
+          <p:nvPr/>
+        </p:nvPicPr>
+        <p:blipFill>
+          <a:blip r:embed="rId3"/>
+          <a:stretch>
+            <a:fillRect/>
+          </a:stretch>
+        </p:blipFill>
+        <p:spPr>
+          <a:xfrm>
+            <a:off x="-441435" y="5502848"/>
+            <a:ext cx="2823575" cy="2129782"/>
+          </a:xfrm>
+          <a:prstGeom prst="rect">
+            <a:avLst/>
+          </a:prstGeom>
+        </p:spPr>
+      </p:pic>
+      <p:sp>
+        <p:nvSpPr>
+          <p:cNvPr id="4" name="TextBox 3">
+            <a:extLst>
+              <a:ext uri="{FF2B5EF4-FFF2-40B4-BE49-F238E27FC236}">
+                <a16:creationId xmlns:a16="http://schemas.microsoft.com/office/drawing/2014/main" id="{18CBB44E-AFD9-BD0C-6353-AF7CFCC51619}"/>
+              </a:ext>
+            </a:extLst>
+          </p:cNvPr>
+          <p:cNvSpPr txBox="1"/>
+          <p:nvPr/>
+        </p:nvSpPr>
+        <p:spPr>
+          <a:xfrm>
+            <a:off x="249382" y="1122218"/>
+            <a:ext cx="530915" cy="523220"/>
+          </a:xfrm>
+          <a:prstGeom prst="rect">
+            <a:avLst/>
+          </a:prstGeom>
+          <a:noFill/>
+        </p:spPr>
+        <p:txBody>
+          <a:bodyPr wrap="none" rtlCol="0">
+            <a:spAutoFit/>
+          </a:bodyPr>
+          <a:lstStyle/>
+          <a:p>
+            <a:endParaRPr lang="en-US" dirty="0"/>
+          </a:p>
+          <a:p>
+            <a:pPr marL="342900" indent="-342900">
+              <a:buAutoNum type="arabicPeriod"/>
+            </a:pPr>
+            <a:endParaRPr lang="en-US" dirty="0"/>
+          </a:p>
+        </p:txBody>
+      </p:sp>
+      <p:sp>
+        <p:nvSpPr>
+          <p:cNvPr id="3" name="TextBox 2">
+            <a:extLst>
+              <a:ext uri="{FF2B5EF4-FFF2-40B4-BE49-F238E27FC236}">
+                <a16:creationId xmlns:a16="http://schemas.microsoft.com/office/drawing/2014/main" id="{1EB2AE55-8B2B-7C1A-64E1-65E27C1D76D0}"/>
+              </a:ext>
+            </a:extLst>
+          </p:cNvPr>
+          <p:cNvSpPr txBox="1"/>
+          <p:nvPr/>
+        </p:nvSpPr>
+        <p:spPr>
+          <a:xfrm>
+            <a:off x="249382" y="1122218"/>
+            <a:ext cx="6066577" cy="5139869"/>
+          </a:xfrm>
+          <a:prstGeom prst="rect">
+            <a:avLst/>
+          </a:prstGeom>
+          <a:noFill/>
+        </p:spPr>
+        <p:txBody>
+          <a:bodyPr wrap="square" rtlCol="0">
+            <a:spAutoFit/>
+          </a:bodyPr>
+          <a:lstStyle/>
+          <a:p>
+            <a:pPr marL="285750" indent="-285750">
+              <a:buFont typeface="Arial" panose="020B0604020202020204" pitchFamily="34" charset="0"/>
+              <a:buChar char="•"/>
+            </a:pPr>
+            <a:r>
+              <a:rPr lang="en-US" sz="2400" dirty="0"/>
+              <a:t>A python library for machine learning</a:t>
+            </a:r>
+          </a:p>
+          <a:p>
+            <a:pPr marL="285750" indent="-285750">
+              <a:buFont typeface="Arial" panose="020B0604020202020204" pitchFamily="34" charset="0"/>
+              <a:buChar char="•"/>
+            </a:pPr>
+            <a:endParaRPr lang="en-US" sz="2400" dirty="0"/>
+          </a:p>
+          <a:p>
+            <a:pPr marL="285750" indent="-285750">
+              <a:buFont typeface="Arial" panose="020B0604020202020204" pitchFamily="34" charset="0"/>
+              <a:buChar char="•"/>
+            </a:pPr>
+            <a:r>
+              <a:rPr lang="en-US" sz="2400" dirty="0"/>
+              <a:t>Open source</a:t>
+            </a:r>
+          </a:p>
+          <a:p>
+            <a:pPr marL="285750" indent="-285750">
+              <a:buFont typeface="Arial" panose="020B0604020202020204" pitchFamily="34" charset="0"/>
+              <a:buChar char="•"/>
+            </a:pPr>
+            <a:endParaRPr lang="en-US" sz="2400" dirty="0"/>
+          </a:p>
+          <a:p>
+            <a:pPr marL="285750" indent="-285750">
+              <a:buFont typeface="Arial" panose="020B0604020202020204" pitchFamily="34" charset="0"/>
+              <a:buChar char="•"/>
+            </a:pPr>
+            <a:r>
+              <a:rPr lang="en-US" sz="2400" dirty="0"/>
+              <a:t>Allows you to do classification, regression, clustering, and other types of analysis</a:t>
+            </a:r>
+          </a:p>
+          <a:p>
+            <a:pPr marL="285750" indent="-285750">
+              <a:buFont typeface="Arial" panose="020B0604020202020204" pitchFamily="34" charset="0"/>
+              <a:buChar char="•"/>
+            </a:pPr>
+            <a:endParaRPr lang="en-US" sz="2400" dirty="0"/>
+          </a:p>
+          <a:p>
+            <a:pPr marL="285750" indent="-285750">
+              <a:buFont typeface="Arial" panose="020B0604020202020204" pitchFamily="34" charset="0"/>
+              <a:buChar char="•"/>
+            </a:pPr>
+            <a:r>
+              <a:rPr lang="en-US" sz="2400" dirty="0"/>
+              <a:t>Used by tons of big companies</a:t>
+            </a:r>
+          </a:p>
+          <a:p>
+            <a:pPr marL="285750" indent="-285750">
+              <a:buFont typeface="Arial" panose="020B0604020202020204" pitchFamily="34" charset="0"/>
+              <a:buChar char="•"/>
+            </a:pPr>
+            <a:endParaRPr lang="en-US" sz="2400" dirty="0"/>
+          </a:p>
+          <a:p>
+            <a:pPr marL="285750" indent="-285750">
+              <a:buFont typeface="Arial" panose="020B0604020202020204" pitchFamily="34" charset="0"/>
+              <a:buChar char="•"/>
+            </a:pPr>
+            <a:endParaRPr lang="en-US" sz="2400" dirty="0"/>
+          </a:p>
+          <a:p>
+            <a:pPr marL="285750" indent="-285750">
+              <a:buFont typeface="Arial" panose="020B0604020202020204" pitchFamily="34" charset="0"/>
+              <a:buChar char="•"/>
+            </a:pPr>
+            <a:endParaRPr lang="en-US" sz="2400" dirty="0"/>
+          </a:p>
+          <a:p>
+            <a:pPr marL="285750" indent="-285750">
+              <a:buFont typeface="Arial" panose="020B0604020202020204" pitchFamily="34" charset="0"/>
+              <a:buChar char="•"/>
+            </a:pPr>
+            <a:endParaRPr lang="en-US" sz="2400" dirty="0"/>
+          </a:p>
+          <a:p>
+            <a:pPr marL="285750" indent="-285750">
+              <a:buFont typeface="Arial" panose="020B0604020202020204" pitchFamily="34" charset="0"/>
+              <a:buChar char="•"/>
+            </a:pPr>
+            <a:r>
+              <a:rPr lang="en-US" sz="1600" dirty="0"/>
+              <a:t>https://scikit-learn.org/stable/testimonials/testimonials.html</a:t>
+            </a:r>
+          </a:p>
+        </p:txBody>
+      </p:sp>
+      <p:pic>
+        <p:nvPicPr>
+          <p:cNvPr id="6" name="Picture 5" descr="A blue and orange circle with black text&#10;&#10;Description automatically generated">
+            <a:extLst>
+              <a:ext uri="{FF2B5EF4-FFF2-40B4-BE49-F238E27FC236}">
+                <a16:creationId xmlns:a16="http://schemas.microsoft.com/office/drawing/2014/main" id="{D09B56E0-4B80-F078-E7E6-599A95F4CC71}"/>
+              </a:ext>
+            </a:extLst>
+          </p:cNvPr>
+          <p:cNvPicPr>
+            <a:picLocks noChangeAspect="1"/>
+          </p:cNvPicPr>
+          <p:nvPr/>
+        </p:nvPicPr>
+        <p:blipFill>
+          <a:blip r:embed="rId4"/>
+          <a:stretch>
+            <a:fillRect/>
+          </a:stretch>
+        </p:blipFill>
+        <p:spPr>
+          <a:xfrm>
+            <a:off x="6732332" y="933109"/>
+            <a:ext cx="5047269" cy="2725525"/>
+          </a:xfrm>
+          <a:prstGeom prst="rect">
+            <a:avLst/>
+          </a:prstGeom>
+        </p:spPr>
+      </p:pic>
+    </p:spTree>
+    <p:extLst>
+      <p:ext uri="{BB962C8B-B14F-4D97-AF65-F5344CB8AC3E}">
+        <p14:creationId xmlns:p14="http://schemas.microsoft.com/office/powerpoint/2010/main" val="2892038582"/>
+      </p:ext>
+    </p:extLst>
+  </p:cSld>
+  <p:clrMapOvr>
+    <a:masterClrMapping/>
+  </p:clrMapOvr>
+</p:sld>
+</file>
+
+<file path=ppt/slides/slide8.xml><?xml version="1.0" encoding="utf-8"?>
+<p:sld xmlns:a="http://schemas.openxmlformats.org/drawingml/2006/main" xmlns:r="http://schemas.openxmlformats.org/officeDocument/2006/relationships" xmlns:p="http://schemas.openxmlformats.org/presentationml/2006/main">
+  <p:cSld>
+    <p:spTree>
+      <p:nvGrpSpPr>
         <p:cNvPr id="1" name="Shape 100"/>
         <p:cNvGrpSpPr/>
         <p:nvPr/>
@@ -20083,7 +20840,7 @@
                   <a:schemeClr val="lt1"/>
                 </a:solidFill>
               </a:rPr>
-              <a:t>7</a:t>
+              <a:t>8</a:t>
             </a:fld>
             <a:endParaRPr>
               <a:solidFill>
@@ -20776,6 +21533,15 @@
 </file>
 
 <file path=customXml/item1.xml><?xml version="1.0" encoding="utf-8"?>
+<?mso-contentType ?>
+<FormTemplates xmlns="http://schemas.microsoft.com/sharepoint/v3/contenttype/forms">
+  <Display>DocumentLibraryForm</Display>
+  <Edit>DocumentLibraryForm</Edit>
+  <New>DocumentLibraryForm</New>
+</FormTemplates>
+</file>
+
+<file path=customXml/item2.xml><?xml version="1.0" encoding="utf-8"?>
 <p:properties xmlns:p="http://schemas.microsoft.com/office/2006/metadata/properties" xmlns:xsi="http://www.w3.org/2001/XMLSchema-instance" xmlns:pc="http://schemas.microsoft.com/office/infopath/2007/PartnerControls">
   <documentManagement>
     <SharedWithUsers xmlns="4c34007c-e7e0-4050-99ed-69ba286f42fc">
@@ -20798,15 +21564,6 @@
     <_activity xmlns="7043361d-09bf-48aa-9854-a95c18db7a2c" xsi:nil="true"/>
   </documentManagement>
 </p:properties>
-</file>
-
-<file path=customXml/item2.xml><?xml version="1.0" encoding="utf-8"?>
-<?mso-contentType ?>
-<FormTemplates xmlns="http://schemas.microsoft.com/sharepoint/v3/contenttype/forms">
-  <Display>DocumentLibraryForm</Display>
-  <Edit>DocumentLibraryForm</Edit>
-  <New>DocumentLibraryForm</New>
-</FormTemplates>
 </file>
 
 <file path=customXml/item3.xml><?xml version="1.0" encoding="utf-8"?>
@@ -21029,6 +21786,14 @@
 </file>
 
 <file path=customXml/itemProps1.xml><?xml version="1.0" encoding="utf-8"?>
+<ds:datastoreItem xmlns:ds="http://schemas.openxmlformats.org/officeDocument/2006/customXml" ds:itemID="{95309E96-4542-4057-BD05-C8679494A345}">
+  <ds:schemaRefs>
+    <ds:schemaRef ds:uri="http://schemas.microsoft.com/sharepoint/v3/contenttype/forms"/>
+  </ds:schemaRefs>
+</ds:datastoreItem>
+</file>
+
+<file path=customXml/itemProps2.xml><?xml version="1.0" encoding="utf-8"?>
 <ds:datastoreItem xmlns:ds="http://schemas.openxmlformats.org/officeDocument/2006/customXml" ds:itemID="{B7181563-95D3-4A73-B30D-D1DAA85823E5}">
   <ds:schemaRefs>
     <ds:schemaRef ds:uri="http://schemas.microsoft.com/office/2006/documentManagement/types"/>
@@ -21041,14 +21806,6 @@
     <ds:schemaRef ds:uri="http://schemas.openxmlformats.org/package/2006/metadata/core-properties"/>
     <ds:schemaRef ds:uri="http://www.w3.org/XML/1998/namespace"/>
     <ds:schemaRef ds:uri="http://purl.org/dc/terms/"/>
-  </ds:schemaRefs>
-</ds:datastoreItem>
-</file>
-
-<file path=customXml/itemProps2.xml><?xml version="1.0" encoding="utf-8"?>
-<ds:datastoreItem xmlns:ds="http://schemas.openxmlformats.org/officeDocument/2006/customXml" ds:itemID="{95309E96-4542-4057-BD05-C8679494A345}">
-  <ds:schemaRefs>
-    <ds:schemaRef ds:uri="http://schemas.microsoft.com/sharepoint/v3/contenttype/forms"/>
   </ds:schemaRefs>
 </ds:datastoreItem>
 </file>

--- a/FA24/WK7/CodingSessionSeven.pptx
+++ b/FA24/WK7/CodingSessionSeven.pptx
@@ -21533,15 +21533,6 @@
 </file>
 
 <file path=customXml/item1.xml><?xml version="1.0" encoding="utf-8"?>
-<?mso-contentType ?>
-<FormTemplates xmlns="http://schemas.microsoft.com/sharepoint/v3/contenttype/forms">
-  <Display>DocumentLibraryForm</Display>
-  <Edit>DocumentLibraryForm</Edit>
-  <New>DocumentLibraryForm</New>
-</FormTemplates>
-</file>
-
-<file path=customXml/item2.xml><?xml version="1.0" encoding="utf-8"?>
 <p:properties xmlns:p="http://schemas.microsoft.com/office/2006/metadata/properties" xmlns:xsi="http://www.w3.org/2001/XMLSchema-instance" xmlns:pc="http://schemas.microsoft.com/office/infopath/2007/PartnerControls">
   <documentManagement>
     <SharedWithUsers xmlns="4c34007c-e7e0-4050-99ed-69ba286f42fc">
@@ -21564,6 +21555,15 @@
     <_activity xmlns="7043361d-09bf-48aa-9854-a95c18db7a2c" xsi:nil="true"/>
   </documentManagement>
 </p:properties>
+</file>
+
+<file path=customXml/item2.xml><?xml version="1.0" encoding="utf-8"?>
+<?mso-contentType ?>
+<FormTemplates xmlns="http://schemas.microsoft.com/sharepoint/v3/contenttype/forms">
+  <Display>DocumentLibraryForm</Display>
+  <Edit>DocumentLibraryForm</Edit>
+  <New>DocumentLibraryForm</New>
+</FormTemplates>
 </file>
 
 <file path=customXml/item3.xml><?xml version="1.0" encoding="utf-8"?>
@@ -21786,14 +21786,6 @@
 </file>
 
 <file path=customXml/itemProps1.xml><?xml version="1.0" encoding="utf-8"?>
-<ds:datastoreItem xmlns:ds="http://schemas.openxmlformats.org/officeDocument/2006/customXml" ds:itemID="{95309E96-4542-4057-BD05-C8679494A345}">
-  <ds:schemaRefs>
-    <ds:schemaRef ds:uri="http://schemas.microsoft.com/sharepoint/v3/contenttype/forms"/>
-  </ds:schemaRefs>
-</ds:datastoreItem>
-</file>
-
-<file path=customXml/itemProps2.xml><?xml version="1.0" encoding="utf-8"?>
 <ds:datastoreItem xmlns:ds="http://schemas.openxmlformats.org/officeDocument/2006/customXml" ds:itemID="{B7181563-95D3-4A73-B30D-D1DAA85823E5}">
   <ds:schemaRefs>
     <ds:schemaRef ds:uri="http://schemas.microsoft.com/office/2006/documentManagement/types"/>
@@ -21806,6 +21798,14 @@
     <ds:schemaRef ds:uri="http://schemas.openxmlformats.org/package/2006/metadata/core-properties"/>
     <ds:schemaRef ds:uri="http://www.w3.org/XML/1998/namespace"/>
     <ds:schemaRef ds:uri="http://purl.org/dc/terms/"/>
+  </ds:schemaRefs>
+</ds:datastoreItem>
+</file>
+
+<file path=customXml/itemProps2.xml><?xml version="1.0" encoding="utf-8"?>
+<ds:datastoreItem xmlns:ds="http://schemas.openxmlformats.org/officeDocument/2006/customXml" ds:itemID="{95309E96-4542-4057-BD05-C8679494A345}">
+  <ds:schemaRefs>
+    <ds:schemaRef ds:uri="http://schemas.microsoft.com/sharepoint/v3/contenttype/forms"/>
   </ds:schemaRefs>
 </ds:datastoreItem>
 </file>
